--- a/中間発表資料.pptx
+++ b/中間発表資料.pptx
@@ -4694,7 +4694,7 @@
                 <a:latin typeface="MS Gothic" panose="020B0609070205080204" pitchFamily="49" charset="-128"/>
                 <a:ea typeface="MS Gothic" panose="020B0609070205080204" pitchFamily="49" charset="-128"/>
               </a:rPr>
-              <a:t>：山本雅貴</a:t>
+              <a:t>：山元雅貴</a:t>
             </a:r>
           </a:p>
         </p:txBody>
